--- a/presentations/kh_presentation.pptx
+++ b/presentations/kh_presentation.pptx
@@ -1213,12 +1213,12 @@
           </a:ln>
           <a:extLst>
             <a:ext uri="{909E8E84-426E-40dd-AFC4-6F175D3DCCD1}">
-              <a14:hiddenFill xmlns="" xmlns:a14="http://schemas.microsoft.com/office/drawing/2010/main">
+              <a14:hiddenFill xmlns:a14="http://schemas.microsoft.com/office/drawing/2010/main" xmlns="">
                 <a:noFill/>
               </a14:hiddenFill>
             </a:ext>
             <a:ext uri="{91240B29-F687-4f45-9708-019B960494DF}">
-              <a14:hiddenLine xmlns="" xmlns:a14="http://schemas.microsoft.com/office/drawing/2010/main" w="9525">
+              <a14:hiddenLine xmlns:a14="http://schemas.microsoft.com/office/drawing/2010/main" xmlns="" w="9525">
                 <a:solidFill>
                   <a:srgbClr val="000000"/>
                 </a:solidFill>
@@ -1263,12 +1263,12 @@
           </a:ln>
           <a:extLst>
             <a:ext uri="{909E8E84-426E-40dd-AFC4-6F175D3DCCD1}">
-              <a14:hiddenFill xmlns="" xmlns:a14="http://schemas.microsoft.com/office/drawing/2010/main">
+              <a14:hiddenFill xmlns:a14="http://schemas.microsoft.com/office/drawing/2010/main" xmlns="">
                 <a:noFill/>
               </a14:hiddenFill>
             </a:ext>
             <a:ext uri="{91240B29-F687-4f45-9708-019B960494DF}">
-              <a14:hiddenLine xmlns="" xmlns:a14="http://schemas.microsoft.com/office/drawing/2010/main" w="9525">
+              <a14:hiddenLine xmlns:a14="http://schemas.microsoft.com/office/drawing/2010/main" xmlns="" w="9525">
                 <a:solidFill>
                   <a:srgbClr val="000000"/>
                 </a:solidFill>
@@ -1497,12 +1497,12 @@
           </a:ln>
           <a:extLst>
             <a:ext uri="{909E8E84-426E-40dd-AFC4-6F175D3DCCD1}">
-              <a14:hiddenFill xmlns="" xmlns:a14="http://schemas.microsoft.com/office/drawing/2010/main">
+              <a14:hiddenFill xmlns:a14="http://schemas.microsoft.com/office/drawing/2010/main" xmlns="">
                 <a:noFill/>
               </a14:hiddenFill>
             </a:ext>
             <a:ext uri="{91240B29-F687-4f45-9708-019B960494DF}">
-              <a14:hiddenLine xmlns="" xmlns:a14="http://schemas.microsoft.com/office/drawing/2010/main" w="9525">
+              <a14:hiddenLine xmlns:a14="http://schemas.microsoft.com/office/drawing/2010/main" xmlns="" w="9525">
                 <a:solidFill>
                   <a:srgbClr val="000000"/>
                 </a:solidFill>
@@ -1547,12 +1547,12 @@
           </a:ln>
           <a:extLst>
             <a:ext uri="{909E8E84-426E-40dd-AFC4-6F175D3DCCD1}">
-              <a14:hiddenFill xmlns="" xmlns:a14="http://schemas.microsoft.com/office/drawing/2010/main">
+              <a14:hiddenFill xmlns:a14="http://schemas.microsoft.com/office/drawing/2010/main" xmlns="">
                 <a:noFill/>
               </a14:hiddenFill>
             </a:ext>
             <a:ext uri="{91240B29-F687-4f45-9708-019B960494DF}">
-              <a14:hiddenLine xmlns="" xmlns:a14="http://schemas.microsoft.com/office/drawing/2010/main" w="9525">
+              <a14:hiddenLine xmlns:a14="http://schemas.microsoft.com/office/drawing/2010/main" xmlns="" w="9525">
                 <a:solidFill>
                   <a:srgbClr val="000000"/>
                 </a:solidFill>
@@ -2786,7 +2786,7 @@
             <a:effectLst/>
             <a:extLst>
               <a:ext uri="{C572A759-6A51-4108-AA02-DFA0A04FC94B}">
-                <ma14:wrappingTextBoxFlag xmlns:ma14="http://schemas.microsoft.com/office/mac/drawingml/2011/main" xmlns="" val="1"/>
+                <ma14:wrappingTextBoxFlag xmlns="" xmlns:ma14="http://schemas.microsoft.com/office/mac/drawingml/2011/main" val="1"/>
               </a:ext>
             </a:extLst>
           </p:spPr>
@@ -2857,7 +2857,7 @@
             <a:effectLst/>
             <a:extLst>
               <a:ext uri="{C572A759-6A51-4108-AA02-DFA0A04FC94B}">
-                <ma14:wrappingTextBoxFlag xmlns:ma14="http://schemas.microsoft.com/office/mac/drawingml/2011/main" xmlns="" val="1"/>
+                <ma14:wrappingTextBoxFlag xmlns="" xmlns:ma14="http://schemas.microsoft.com/office/mac/drawingml/2011/main" val="1"/>
               </a:ext>
             </a:extLst>
           </p:spPr>
@@ -2928,7 +2928,7 @@
             <a:effectLst/>
             <a:extLst>
               <a:ext uri="{C572A759-6A51-4108-AA02-DFA0A04FC94B}">
-                <ma14:wrappingTextBoxFlag xmlns:ma14="http://schemas.microsoft.com/office/mac/drawingml/2011/main" xmlns="" val="1"/>
+                <ma14:wrappingTextBoxFlag xmlns="" xmlns:ma14="http://schemas.microsoft.com/office/mac/drawingml/2011/main" val="1"/>
               </a:ext>
             </a:extLst>
           </p:spPr>
@@ -2999,7 +2999,7 @@
             <a:effectLst/>
             <a:extLst>
               <a:ext uri="{C572A759-6A51-4108-AA02-DFA0A04FC94B}">
-                <ma14:wrappingTextBoxFlag xmlns:ma14="http://schemas.microsoft.com/office/mac/drawingml/2011/main" xmlns="" val="1"/>
+                <ma14:wrappingTextBoxFlag xmlns="" xmlns:ma14="http://schemas.microsoft.com/office/mac/drawingml/2011/main" val="1"/>
               </a:ext>
             </a:extLst>
           </p:spPr>
@@ -3070,7 +3070,7 @@
             <a:effectLst/>
             <a:extLst>
               <a:ext uri="{C572A759-6A51-4108-AA02-DFA0A04FC94B}">
-                <ma14:wrappingTextBoxFlag xmlns:ma14="http://schemas.microsoft.com/office/mac/drawingml/2011/main" xmlns="" val="1"/>
+                <ma14:wrappingTextBoxFlag xmlns="" xmlns:ma14="http://schemas.microsoft.com/office/mac/drawingml/2011/main" val="1"/>
               </a:ext>
             </a:extLst>
           </p:spPr>
@@ -3130,7 +3130,7 @@
             <a:effectLst/>
             <a:extLst>
               <a:ext uri="{C572A759-6A51-4108-AA02-DFA0A04FC94B}">
-                <ma14:wrappingTextBoxFlag xmlns:ma14="http://schemas.microsoft.com/office/mac/drawingml/2011/main" xmlns="" val="1"/>
+                <ma14:wrappingTextBoxFlag xmlns="" xmlns:ma14="http://schemas.microsoft.com/office/mac/drawingml/2011/main" val="1"/>
               </a:ext>
             </a:extLst>
           </p:spPr>
@@ -3201,7 +3201,7 @@
             <a:effectLst/>
             <a:extLst>
               <a:ext uri="{C572A759-6A51-4108-AA02-DFA0A04FC94B}">
-                <ma14:wrappingTextBoxFlag xmlns:ma14="http://schemas.microsoft.com/office/mac/drawingml/2011/main" xmlns="" val="1"/>
+                <ma14:wrappingTextBoxFlag xmlns="" xmlns:ma14="http://schemas.microsoft.com/office/mac/drawingml/2011/main" val="1"/>
               </a:ext>
             </a:extLst>
           </p:spPr>
@@ -3272,7 +3272,7 @@
             <a:effectLst/>
             <a:extLst>
               <a:ext uri="{C572A759-6A51-4108-AA02-DFA0A04FC94B}">
-                <ma14:wrappingTextBoxFlag xmlns:ma14="http://schemas.microsoft.com/office/mac/drawingml/2011/main" xmlns="" val="1"/>
+                <ma14:wrappingTextBoxFlag xmlns="" xmlns:ma14="http://schemas.microsoft.com/office/mac/drawingml/2011/main" val="1"/>
               </a:ext>
             </a:extLst>
           </p:spPr>
@@ -3343,7 +3343,7 @@
             <a:effectLst/>
             <a:extLst>
               <a:ext uri="{C572A759-6A51-4108-AA02-DFA0A04FC94B}">
-                <ma14:wrappingTextBoxFlag xmlns:ma14="http://schemas.microsoft.com/office/mac/drawingml/2011/main" xmlns="" val="1"/>
+                <ma14:wrappingTextBoxFlag xmlns="" xmlns:ma14="http://schemas.microsoft.com/office/mac/drawingml/2011/main" val="1"/>
               </a:ext>
             </a:extLst>
           </p:spPr>
@@ -3414,7 +3414,7 @@
             <a:effectLst/>
             <a:extLst>
               <a:ext uri="{C572A759-6A51-4108-AA02-DFA0A04FC94B}">
-                <ma14:wrappingTextBoxFlag xmlns:ma14="http://schemas.microsoft.com/office/mac/drawingml/2011/main" xmlns="" val="1"/>
+                <ma14:wrappingTextBoxFlag xmlns="" xmlns:ma14="http://schemas.microsoft.com/office/mac/drawingml/2011/main" val="1"/>
               </a:ext>
             </a:extLst>
           </p:spPr>
@@ -3485,7 +3485,7 @@
             <a:effectLst/>
             <a:extLst>
               <a:ext uri="{C572A759-6A51-4108-AA02-DFA0A04FC94B}">
-                <ma14:wrappingTextBoxFlag xmlns:ma14="http://schemas.microsoft.com/office/mac/drawingml/2011/main" xmlns="" val="1"/>
+                <ma14:wrappingTextBoxFlag xmlns="" xmlns:ma14="http://schemas.microsoft.com/office/mac/drawingml/2011/main" val="1"/>
               </a:ext>
             </a:extLst>
           </p:spPr>
@@ -3563,7 +3563,7 @@
           <a:effectLst/>
           <a:extLst>
             <a:ext uri="{C572A759-6A51-4108-AA02-DFA0A04FC94B}">
-              <ma14:wrappingTextBoxFlag xmlns:ma14="http://schemas.microsoft.com/office/mac/drawingml/2011/main" xmlns="" val="1"/>
+              <ma14:wrappingTextBoxFlag xmlns="" xmlns:ma14="http://schemas.microsoft.com/office/mac/drawingml/2011/main" val="1"/>
             </a:ext>
           </a:extLst>
         </p:spPr>
@@ -3640,7 +3640,7 @@
           <a:effectLst/>
           <a:extLst>
             <a:ext uri="{C572A759-6A51-4108-AA02-DFA0A04FC94B}">
-              <ma14:wrappingTextBoxFlag xmlns:ma14="http://schemas.microsoft.com/office/mac/drawingml/2011/main" xmlns="" val="1"/>
+              <ma14:wrappingTextBoxFlag xmlns="" xmlns:ma14="http://schemas.microsoft.com/office/mac/drawingml/2011/main" val="1"/>
             </a:ext>
           </a:extLst>
         </p:spPr>
@@ -4006,7 +4006,7 @@
         </p:nvSpPr>
         <p:spPr>
           <a:xfrm rot="16200000">
-            <a:off x="4036970" y="6539784"/>
+            <a:off x="3060413" y="6472881"/>
             <a:ext cx="1683298" cy="6305916"/>
           </a:xfrm>
           <a:prstGeom prst="rect">
@@ -4061,7 +4061,7 @@
         </p:nvSpPr>
         <p:spPr>
           <a:xfrm rot="16200000">
-            <a:off x="13774384" y="-2829208"/>
+            <a:off x="12383734" y="-2849839"/>
             <a:ext cx="1901082" cy="9869352"/>
           </a:xfrm>
           <a:prstGeom prst="rect">
@@ -4116,7 +4116,7 @@
         </p:nvSpPr>
         <p:spPr>
           <a:xfrm>
-            <a:off x="1725660" y="5476042"/>
+            <a:off x="749104" y="5458065"/>
             <a:ext cx="5888079" cy="2799869"/>
           </a:xfrm>
           <a:prstGeom prst="rect">
@@ -4185,7 +4185,7 @@
         </p:nvSpPr>
         <p:spPr>
           <a:xfrm>
-            <a:off x="1759630" y="766742"/>
+            <a:off x="749104" y="565952"/>
             <a:ext cx="6864635" cy="4339650"/>
           </a:xfrm>
           <a:prstGeom prst="rect">
@@ -4257,7 +4257,7 @@
         </p:nvSpPr>
         <p:spPr>
           <a:xfrm>
-            <a:off x="10090952" y="1504101"/>
+            <a:off x="8788942" y="1504101"/>
             <a:ext cx="9090666" cy="1200329"/>
           </a:xfrm>
           <a:prstGeom prst="rect">
@@ -4329,7 +4329,7 @@
         </p:blipFill>
         <p:spPr>
           <a:xfrm>
-            <a:off x="1727272" y="10760742"/>
+            <a:off x="750715" y="10760742"/>
             <a:ext cx="6304305" cy="2438041"/>
           </a:xfrm>
           <a:prstGeom prst="rect">
@@ -4359,8 +4359,38 @@
         </p:blipFill>
         <p:spPr>
           <a:xfrm>
-            <a:off x="9790248" y="3366326"/>
+            <a:off x="8399599" y="3348349"/>
             <a:ext cx="9869352" cy="9819169"/>
+          </a:xfrm>
+          <a:prstGeom prst="rect">
+            <a:avLst/>
+          </a:prstGeom>
+        </p:spPr>
+      </p:pic>
+      <p:pic>
+        <p:nvPicPr>
+          <p:cNvPr id="3" name="Picture 2">
+            <a:extLst>
+              <a:ext uri="{FF2B5EF4-FFF2-40B4-BE49-F238E27FC236}">
+                <a16:creationId xmlns:a16="http://schemas.microsoft.com/office/drawing/2014/main" id="{8B98ED0C-6ED6-46D9-9D52-793D98B7EC7E}"/>
+              </a:ext>
+            </a:extLst>
+          </p:cNvPr>
+          <p:cNvPicPr>
+            <a:picLocks noChangeAspect="1"/>
+          </p:cNvPicPr>
+          <p:nvPr/>
+        </p:nvPicPr>
+        <p:blipFill>
+          <a:blip r:embed="rId4"/>
+          <a:stretch>
+            <a:fillRect/>
+          </a:stretch>
+        </p:blipFill>
+        <p:spPr>
+          <a:xfrm>
+            <a:off x="15801164" y="4944424"/>
+            <a:ext cx="8294108" cy="4942525"/>
           </a:xfrm>
           <a:prstGeom prst="rect">
             <a:avLst/>
